--- a/Presentation/Named Entity Recognition for the Romanian Language.pptx
+++ b/Presentation/Named Entity Recognition for the Romanian Language.pptx
@@ -5,7 +5,7 @@
     <p:sldMasterId id="2147483684" r:id="rId1"/>
   </p:sldMasterIdLst>
   <p:notesMasterIdLst>
-    <p:notesMasterId r:id="rId20"/>
+    <p:notesMasterId r:id="rId18"/>
   </p:notesMasterIdLst>
   <p:sldIdLst>
     <p:sldId id="256" r:id="rId2"/>
@@ -17,15 +17,13 @@
     <p:sldId id="262" r:id="rId8"/>
     <p:sldId id="263" r:id="rId9"/>
     <p:sldId id="272" r:id="rId10"/>
-    <p:sldId id="273" r:id="rId11"/>
-    <p:sldId id="264" r:id="rId12"/>
-    <p:sldId id="265" r:id="rId13"/>
-    <p:sldId id="266" r:id="rId14"/>
-    <p:sldId id="267" r:id="rId15"/>
-    <p:sldId id="268" r:id="rId16"/>
-    <p:sldId id="269" r:id="rId17"/>
-    <p:sldId id="270" r:id="rId18"/>
-    <p:sldId id="271" r:id="rId19"/>
+    <p:sldId id="265" r:id="rId11"/>
+    <p:sldId id="266" r:id="rId12"/>
+    <p:sldId id="267" r:id="rId13"/>
+    <p:sldId id="268" r:id="rId14"/>
+    <p:sldId id="269" r:id="rId15"/>
+    <p:sldId id="270" r:id="rId16"/>
+    <p:sldId id="271" r:id="rId17"/>
   </p:sldIdLst>
   <p:sldSz cx="12192000" cy="6858000"/>
   <p:notesSz cx="6858000" cy="9144000"/>
@@ -619,7 +617,7 @@
             </a:pPr>
             <a:r>
               <a:rPr lang="en-US" dirty="0"/>
-              <a:t>Whole sentence in a comment</a:t>
+              <a:t>Train file is the aforementioned training data file</a:t>
             </a:r>
           </a:p>
           <a:p>
@@ -629,7 +627,7 @@
             </a:pPr>
             <a:r>
               <a:rPr lang="en-US" dirty="0"/>
-              <a:t>Each line is a word with a lot of features</a:t>
+              <a:t>Serialize to is the output of the trainer</a:t>
             </a:r>
           </a:p>
           <a:p>
@@ -639,7 +637,7 @@
             </a:pPr>
             <a:r>
               <a:rPr lang="en-US" dirty="0"/>
-              <a:t>Xml document, has exactly the same features, in another format</a:t>
+              <a:t>Map specifies the format of the train file</a:t>
             </a:r>
           </a:p>
           <a:p>
@@ -649,7 +647,31 @@
             </a:pPr>
             <a:r>
               <a:rPr lang="en-US" dirty="0"/>
-              <a:t>Interested in the &lt;entity&gt; &lt;/entity&gt; attributes</a:t>
+              <a:t>Trainer is written in java</a:t>
+            </a:r>
+          </a:p>
+          <a:p>
+            <a:pPr marL="171450" indent="-171450">
+              <a:buFontTx/>
+              <a:buChar char="-"/>
+            </a:pPr>
+            <a:r>
+              <a:rPr lang="en-US" dirty="0"/>
+              <a:t>Explain params</a:t>
+            </a:r>
+          </a:p>
+          <a:p>
+            <a:pPr marL="171450" indent="-171450">
+              <a:buFontTx/>
+              <a:buChar char="-"/>
+            </a:pPr>
+            <a:r>
+              <a:rPr lang="en-US" dirty="0" err="1"/>
+              <a:t>SpaCy</a:t>
+            </a:r>
+            <a:r>
+              <a:rPr lang="en-US" dirty="0"/>
+              <a:t> has been trained using the multi-language model, Gazetteer has been comprised</a:t>
             </a:r>
           </a:p>
         </p:txBody>
@@ -680,7 +702,7 @@
     </p:spTree>
     <p:extLst>
       <p:ext uri="{BB962C8B-B14F-4D97-AF65-F5344CB8AC3E}">
-        <p14:creationId xmlns:p14="http://schemas.microsoft.com/office/powerpoint/2010/main" val="2719015617"/>
+        <p14:creationId xmlns:p14="http://schemas.microsoft.com/office/powerpoint/2010/main" val="664523304"/>
       </p:ext>
     </p:extLst>
   </p:cSld>
@@ -734,9 +756,43 @@
           <a:bodyPr/>
           <a:lstStyle/>
           <a:p>
+            <a:pPr marL="171450" indent="-171450">
+              <a:buFontTx/>
+              <a:buChar char="-"/>
+            </a:pPr>
             <a:r>
               <a:rPr lang="en-US" dirty="0"/>
-              <a:t>- Comments are removed</a:t>
+              <a:t>Having trained, and checked a test classification, one must measure each method’s performance, for that define the measurement methods for performance</a:t>
+            </a:r>
+          </a:p>
+          <a:p>
+            <a:pPr marL="171450" indent="-171450">
+              <a:buFontTx/>
+              <a:buChar char="-"/>
+            </a:pPr>
+            <a:r>
+              <a:rPr lang="en-US" dirty="0"/>
+              <a:t>True pos=, if the word is a named entity, the classifier tagged the word as a named entity, and the category attributed the word is correct. </a:t>
+            </a:r>
+          </a:p>
+          <a:p>
+            <a:pPr marL="171450" indent="-171450">
+              <a:buFontTx/>
+              <a:buChar char="-"/>
+            </a:pPr>
+            <a:r>
+              <a:rPr lang="en-US" dirty="0"/>
+              <a:t>False positive = one calls a false positive a word which is not a named entity, but has been classified as such.</a:t>
+            </a:r>
+          </a:p>
+          <a:p>
+            <a:pPr marL="171450" indent="-171450">
+              <a:buFontTx/>
+              <a:buChar char="-"/>
+            </a:pPr>
+            <a:r>
+              <a:rPr lang="en-US" dirty="0"/>
+              <a:t>False negative =either a named entity which has not been classified at all, or one which has been wrongly classified</a:t>
             </a:r>
           </a:p>
         </p:txBody>
@@ -767,7 +823,7 @@
     </p:spTree>
     <p:extLst>
       <p:ext uri="{BB962C8B-B14F-4D97-AF65-F5344CB8AC3E}">
-        <p14:creationId xmlns:p14="http://schemas.microsoft.com/office/powerpoint/2010/main" val="2327070336"/>
+        <p14:creationId xmlns:p14="http://schemas.microsoft.com/office/powerpoint/2010/main" val="908754287"/>
       </p:ext>
     </p:extLst>
   </p:cSld>
@@ -827,7 +883,7 @@
             </a:pPr>
             <a:r>
               <a:rPr lang="en-US" dirty="0"/>
-              <a:t>Train file is the aforementioned training data file</a:t>
+              <a:t>made a test file</a:t>
             </a:r>
           </a:p>
           <a:p>
@@ -837,7 +893,7 @@
             </a:pPr>
             <a:r>
               <a:rPr lang="en-US" dirty="0"/>
-              <a:t>Serialize to is the output of the trainer</a:t>
+              <a:t>Dictionary, 2 entries: raw, annotated text (manually)</a:t>
             </a:r>
           </a:p>
           <a:p>
@@ -847,7 +903,7 @@
             </a:pPr>
             <a:r>
               <a:rPr lang="en-US" dirty="0"/>
-              <a:t>Map specifies the format of the train file</a:t>
+              <a:t>Comprised using python</a:t>
             </a:r>
           </a:p>
           <a:p>
@@ -857,31 +913,7 @@
             </a:pPr>
             <a:r>
               <a:rPr lang="en-US" dirty="0"/>
-              <a:t>Trainer is written in java</a:t>
-            </a:r>
-          </a:p>
-          <a:p>
-            <a:pPr marL="171450" indent="-171450">
-              <a:buFontTx/>
-              <a:buChar char="-"/>
-            </a:pPr>
-            <a:r>
-              <a:rPr lang="en-US" dirty="0"/>
-              <a:t>Explain params</a:t>
-            </a:r>
-          </a:p>
-          <a:p>
-            <a:pPr marL="171450" indent="-171450">
-              <a:buFontTx/>
-              <a:buChar char="-"/>
-            </a:pPr>
-            <a:r>
-              <a:rPr lang="en-US" dirty="0" err="1"/>
-              <a:t>SpaCy</a:t>
-            </a:r>
-            <a:r>
-              <a:rPr lang="en-US" dirty="0"/>
-              <a:t> has been trained using the multi-language model, Gazetteer has been comprised</a:t>
+              <a:t>Applied the aforementioned formulas for each classifier</a:t>
             </a:r>
           </a:p>
         </p:txBody>
@@ -912,7 +944,7 @@
     </p:spTree>
     <p:extLst>
       <p:ext uri="{BB962C8B-B14F-4D97-AF65-F5344CB8AC3E}">
-        <p14:creationId xmlns:p14="http://schemas.microsoft.com/office/powerpoint/2010/main" val="664523304"/>
+        <p14:creationId xmlns:p14="http://schemas.microsoft.com/office/powerpoint/2010/main" val="930467776"/>
       </p:ext>
     </p:extLst>
   </p:cSld>
@@ -966,43 +998,9 @@
           <a:bodyPr/>
           <a:lstStyle/>
           <a:p>
-            <a:pPr marL="171450" indent="-171450">
-              <a:buFontTx/>
-              <a:buChar char="-"/>
-            </a:pPr>
             <a:r>
               <a:rPr lang="en-US" dirty="0"/>
-              <a:t>Having trained, and checked a test classification, one must measure each method’s performance, for that define the measurement methods for performance</a:t>
-            </a:r>
-          </a:p>
-          <a:p>
-            <a:pPr marL="171450" indent="-171450">
-              <a:buFontTx/>
-              <a:buChar char="-"/>
-            </a:pPr>
-            <a:r>
-              <a:rPr lang="en-US" dirty="0"/>
-              <a:t>True pos=, if the word is a named entity, the classifier tagged the word as a named entity, and the category attributed the word is correct. </a:t>
-            </a:r>
-          </a:p>
-          <a:p>
-            <a:pPr marL="171450" indent="-171450">
-              <a:buFontTx/>
-              <a:buChar char="-"/>
-            </a:pPr>
-            <a:r>
-              <a:rPr lang="en-US" dirty="0"/>
-              <a:t>False positive = one calls a false positive a word which is not a named entity, but has been classified as such.</a:t>
-            </a:r>
-          </a:p>
-          <a:p>
-            <a:pPr marL="171450" indent="-171450">
-              <a:buFontTx/>
-              <a:buChar char="-"/>
-            </a:pPr>
-            <a:r>
-              <a:rPr lang="en-US" dirty="0"/>
-              <a:t>False negative =either a named entity which has not been classified at all, or one which has been wrongly classified</a:t>
+              <a:t>- We tested all three methods and the results are</a:t>
             </a:r>
           </a:p>
         </p:txBody>
@@ -1033,7 +1031,7 @@
     </p:spTree>
     <p:extLst>
       <p:ext uri="{BB962C8B-B14F-4D97-AF65-F5344CB8AC3E}">
-        <p14:creationId xmlns:p14="http://schemas.microsoft.com/office/powerpoint/2010/main" val="908754287"/>
+        <p14:creationId xmlns:p14="http://schemas.microsoft.com/office/powerpoint/2010/main" val="947639382"/>
       </p:ext>
     </p:extLst>
   </p:cSld>
@@ -1093,7 +1091,7 @@
             </a:pPr>
             <a:r>
               <a:rPr lang="en-US" dirty="0"/>
-              <a:t>made a test file</a:t>
+              <a:t>For combining all three methods we need a voting function in order to obtain better performance</a:t>
             </a:r>
           </a:p>
           <a:p>
@@ -1103,7 +1101,7 @@
             </a:pPr>
             <a:r>
               <a:rPr lang="en-US" dirty="0"/>
-              <a:t>Dictionary, 2 entries: raw, annotated text (manually)</a:t>
+              <a:t>Compute the score of each tagged entity from each classifier (according to each weight), then check if the remaining sum of weights is greater than the score of the classification</a:t>
             </a:r>
           </a:p>
           <a:p>
@@ -1113,17 +1111,7 @@
             </a:pPr>
             <a:r>
               <a:rPr lang="en-US" dirty="0"/>
-              <a:t>Comprised using python</a:t>
-            </a:r>
-          </a:p>
-          <a:p>
-            <a:pPr marL="171450" indent="-171450">
-              <a:buFontTx/>
-              <a:buChar char="-"/>
-            </a:pPr>
-            <a:r>
-              <a:rPr lang="en-US" dirty="0"/>
-              <a:t>Applied the aforementioned formulas for each classifier</a:t>
+              <a:t>If that is the case, the classification will not be in the results</a:t>
             </a:r>
           </a:p>
         </p:txBody>
@@ -1154,7 +1142,7 @@
     </p:spTree>
     <p:extLst>
       <p:ext uri="{BB962C8B-B14F-4D97-AF65-F5344CB8AC3E}">
-        <p14:creationId xmlns:p14="http://schemas.microsoft.com/office/powerpoint/2010/main" val="930467776"/>
+        <p14:creationId xmlns:p14="http://schemas.microsoft.com/office/powerpoint/2010/main" val="2510106554"/>
       </p:ext>
     </p:extLst>
   </p:cSld>
@@ -1210,7 +1198,7 @@
           <a:p>
             <a:r>
               <a:rPr lang="en-US" dirty="0"/>
-              <a:t>- We tested all three methods and the results are</a:t>
+              <a:t>- We move on to the demonstration</a:t>
             </a:r>
           </a:p>
         </p:txBody>
@@ -1241,7 +1229,7 @@
     </p:spTree>
     <p:extLst>
       <p:ext uri="{BB962C8B-B14F-4D97-AF65-F5344CB8AC3E}">
-        <p14:creationId xmlns:p14="http://schemas.microsoft.com/office/powerpoint/2010/main" val="947639382"/>
+        <p14:creationId xmlns:p14="http://schemas.microsoft.com/office/powerpoint/2010/main" val="3724251066"/>
       </p:ext>
     </p:extLst>
   </p:cSld>
@@ -1295,204 +1283,6 @@
           <a:bodyPr/>
           <a:lstStyle/>
           <a:p>
-            <a:pPr marL="171450" indent="-171450">
-              <a:buFontTx/>
-              <a:buChar char="-"/>
-            </a:pPr>
-            <a:r>
-              <a:rPr lang="en-US" dirty="0"/>
-              <a:t>For combining all three methods we need a voting function in order to obtain better performance</a:t>
-            </a:r>
-          </a:p>
-          <a:p>
-            <a:pPr marL="171450" indent="-171450">
-              <a:buFontTx/>
-              <a:buChar char="-"/>
-            </a:pPr>
-            <a:r>
-              <a:rPr lang="en-US" dirty="0"/>
-              <a:t>Compute the score of each tagged entity from each classifier (according to each weight), then check if the remaining sum of weights is greater than the score of the classification</a:t>
-            </a:r>
-          </a:p>
-          <a:p>
-            <a:pPr marL="171450" indent="-171450">
-              <a:buFontTx/>
-              <a:buChar char="-"/>
-            </a:pPr>
-            <a:r>
-              <a:rPr lang="en-US" dirty="0"/>
-              <a:t>If that is the case, the classification will not be in the results</a:t>
-            </a:r>
-          </a:p>
-        </p:txBody>
-      </p:sp>
-      <p:sp>
-        <p:nvSpPr>
-          <p:cNvPr id="4" name="Slide Number Placeholder 3"/>
-          <p:cNvSpPr>
-            <a:spLocks noGrp="1"/>
-          </p:cNvSpPr>
-          <p:nvPr>
-            <p:ph type="sldNum" sz="quarter" idx="5"/>
-          </p:nvPr>
-        </p:nvSpPr>
-        <p:spPr/>
-        <p:txBody>
-          <a:bodyPr/>
-          <a:lstStyle/>
-          <a:p>
-            <a:fld id="{E9D8628D-9FC8-4B1E-B54E-28500E4A7281}" type="slidenum">
-              <a:rPr lang="en-US" smtClean="0"/>
-              <a:t>16</a:t>
-            </a:fld>
-            <a:endParaRPr lang="en-US"/>
-          </a:p>
-        </p:txBody>
-      </p:sp>
-    </p:spTree>
-    <p:extLst>
-      <p:ext uri="{BB962C8B-B14F-4D97-AF65-F5344CB8AC3E}">
-        <p14:creationId xmlns:p14="http://schemas.microsoft.com/office/powerpoint/2010/main" val="2510106554"/>
-      </p:ext>
-    </p:extLst>
-  </p:cSld>
-  <p:clrMapOvr>
-    <a:masterClrMapping/>
-  </p:clrMapOvr>
-</p:notes>
-</file>
-
-<file path=ppt/notesSlides/notesSlide17.xml><?xml version="1.0" encoding="utf-8"?>
-<p:notes xmlns:a="http://schemas.openxmlformats.org/drawingml/2006/main" xmlns:r="http://schemas.openxmlformats.org/officeDocument/2006/relationships" xmlns:p="http://schemas.openxmlformats.org/presentationml/2006/main">
-  <p:cSld>
-    <p:spTree>
-      <p:nvGrpSpPr>
-        <p:cNvPr id="1" name=""/>
-        <p:cNvGrpSpPr/>
-        <p:nvPr/>
-      </p:nvGrpSpPr>
-      <p:grpSpPr>
-        <a:xfrm>
-          <a:off x="0" y="0"/>
-          <a:ext cx="0" cy="0"/>
-          <a:chOff x="0" y="0"/>
-          <a:chExt cx="0" cy="0"/>
-        </a:xfrm>
-      </p:grpSpPr>
-      <p:sp>
-        <p:nvSpPr>
-          <p:cNvPr id="2" name="Slide Image Placeholder 1"/>
-          <p:cNvSpPr>
-            <a:spLocks noGrp="1" noRot="1" noChangeAspect="1"/>
-          </p:cNvSpPr>
-          <p:nvPr>
-            <p:ph type="sldImg"/>
-          </p:nvPr>
-        </p:nvSpPr>
-        <p:spPr/>
-      </p:sp>
-      <p:sp>
-        <p:nvSpPr>
-          <p:cNvPr id="3" name="Notes Placeholder 2"/>
-          <p:cNvSpPr>
-            <a:spLocks noGrp="1"/>
-          </p:cNvSpPr>
-          <p:nvPr>
-            <p:ph type="body" idx="1"/>
-          </p:nvPr>
-        </p:nvSpPr>
-        <p:spPr/>
-        <p:txBody>
-          <a:bodyPr/>
-          <a:lstStyle/>
-          <a:p>
-            <a:r>
-              <a:rPr lang="en-US" dirty="0"/>
-              <a:t>- We move on to the demonstration</a:t>
-            </a:r>
-          </a:p>
-        </p:txBody>
-      </p:sp>
-      <p:sp>
-        <p:nvSpPr>
-          <p:cNvPr id="4" name="Slide Number Placeholder 3"/>
-          <p:cNvSpPr>
-            <a:spLocks noGrp="1"/>
-          </p:cNvSpPr>
-          <p:nvPr>
-            <p:ph type="sldNum" sz="quarter" idx="5"/>
-          </p:nvPr>
-        </p:nvSpPr>
-        <p:spPr/>
-        <p:txBody>
-          <a:bodyPr/>
-          <a:lstStyle/>
-          <a:p>
-            <a:fld id="{E9D8628D-9FC8-4B1E-B54E-28500E4A7281}" type="slidenum">
-              <a:rPr lang="en-US" smtClean="0"/>
-              <a:t>17</a:t>
-            </a:fld>
-            <a:endParaRPr lang="en-US"/>
-          </a:p>
-        </p:txBody>
-      </p:sp>
-    </p:spTree>
-    <p:extLst>
-      <p:ext uri="{BB962C8B-B14F-4D97-AF65-F5344CB8AC3E}">
-        <p14:creationId xmlns:p14="http://schemas.microsoft.com/office/powerpoint/2010/main" val="3724251066"/>
-      </p:ext>
-    </p:extLst>
-  </p:cSld>
-  <p:clrMapOvr>
-    <a:masterClrMapping/>
-  </p:clrMapOvr>
-</p:notes>
-</file>
-
-<file path=ppt/notesSlides/notesSlide18.xml><?xml version="1.0" encoding="utf-8"?>
-<p:notes xmlns:a="http://schemas.openxmlformats.org/drawingml/2006/main" xmlns:r="http://schemas.openxmlformats.org/officeDocument/2006/relationships" xmlns:p="http://schemas.openxmlformats.org/presentationml/2006/main">
-  <p:cSld>
-    <p:spTree>
-      <p:nvGrpSpPr>
-        <p:cNvPr id="1" name=""/>
-        <p:cNvGrpSpPr/>
-        <p:nvPr/>
-      </p:nvGrpSpPr>
-      <p:grpSpPr>
-        <a:xfrm>
-          <a:off x="0" y="0"/>
-          <a:ext cx="0" cy="0"/>
-          <a:chOff x="0" y="0"/>
-          <a:chExt cx="0" cy="0"/>
-        </a:xfrm>
-      </p:grpSpPr>
-      <p:sp>
-        <p:nvSpPr>
-          <p:cNvPr id="2" name="Slide Image Placeholder 1"/>
-          <p:cNvSpPr>
-            <a:spLocks noGrp="1" noRot="1" noChangeAspect="1"/>
-          </p:cNvSpPr>
-          <p:nvPr>
-            <p:ph type="sldImg"/>
-          </p:nvPr>
-        </p:nvSpPr>
-        <p:spPr/>
-      </p:sp>
-      <p:sp>
-        <p:nvSpPr>
-          <p:cNvPr id="3" name="Notes Placeholder 2"/>
-          <p:cNvSpPr>
-            <a:spLocks noGrp="1"/>
-          </p:cNvSpPr>
-          <p:nvPr>
-            <p:ph type="body" idx="1"/>
-          </p:nvPr>
-        </p:nvSpPr>
-        <p:spPr/>
-        <p:txBody>
-          <a:bodyPr/>
-          <a:lstStyle/>
-          <a:p>
             <a:pPr marL="171450" marR="0" lvl="0" indent="-171450" algn="l" defTabSz="914400" rtl="0" eaLnBrk="1" fontAlgn="auto" latinLnBrk="0" hangingPunct="1">
               <a:lnSpc>
                 <a:spcPct val="100000"/>
@@ -1583,7 +1373,7 @@
           <a:p>
             <a:fld id="{E9D8628D-9FC8-4B1E-B54E-28500E4A7281}" type="slidenum">
               <a:rPr lang="en-US" smtClean="0"/>
-              <a:t>18</a:t>
+              <a:t>16</a:t>
             </a:fld>
             <a:endParaRPr lang="en-US"/>
           </a:p>
@@ -2737,13 +2527,13 @@
   <p:clrMapOvr>
     <a:masterClrMapping/>
   </p:clrMapOvr>
-  <mc:AlternateContent xmlns:mc="http://schemas.openxmlformats.org/markup-compatibility/2006">
-    <mc:Choice xmlns:p14="http://schemas.microsoft.com/office/powerpoint/2010/main" Requires="p14">
+  <mc:AlternateContent xmlns:mc="http://schemas.openxmlformats.org/markup-compatibility/2006" xmlns:p14="http://schemas.microsoft.com/office/powerpoint/2010/main">
+    <mc:Choice Requires="p14">
       <p:transition spd="slow" p14:dur="1600">
         <p:blinds dir="vert"/>
       </p:transition>
     </mc:Choice>
-    <mc:Fallback>
+    <mc:Fallback xmlns="">
       <p:transition spd="slow">
         <p:blinds dir="vert"/>
       </p:transition>
@@ -2919,13 +2709,13 @@
   <p:clrMapOvr>
     <a:masterClrMapping/>
   </p:clrMapOvr>
-  <mc:AlternateContent xmlns:mc="http://schemas.openxmlformats.org/markup-compatibility/2006">
-    <mc:Choice xmlns:p14="http://schemas.microsoft.com/office/powerpoint/2010/main" Requires="p14">
+  <mc:AlternateContent xmlns:mc="http://schemas.openxmlformats.org/markup-compatibility/2006" xmlns:p14="http://schemas.microsoft.com/office/powerpoint/2010/main">
+    <mc:Choice Requires="p14">
       <p:transition spd="slow" p14:dur="1600">
         <p:blinds dir="vert"/>
       </p:transition>
     </mc:Choice>
-    <mc:Fallback>
+    <mc:Fallback xmlns="">
       <p:transition spd="slow">
         <p:blinds dir="vert"/>
       </p:transition>
@@ -3111,13 +2901,13 @@
   <p:clrMapOvr>
     <a:masterClrMapping/>
   </p:clrMapOvr>
-  <mc:AlternateContent xmlns:mc="http://schemas.openxmlformats.org/markup-compatibility/2006">
-    <mc:Choice xmlns:p14="http://schemas.microsoft.com/office/powerpoint/2010/main" Requires="p14">
+  <mc:AlternateContent xmlns:mc="http://schemas.openxmlformats.org/markup-compatibility/2006" xmlns:p14="http://schemas.microsoft.com/office/powerpoint/2010/main">
+    <mc:Choice Requires="p14">
       <p:transition spd="slow" p14:dur="1600">
         <p:blinds dir="vert"/>
       </p:transition>
     </mc:Choice>
-    <mc:Fallback>
+    <mc:Fallback xmlns="">
       <p:transition spd="slow">
         <p:blinds dir="vert"/>
       </p:transition>
@@ -3293,13 +3083,13 @@
   <p:clrMapOvr>
     <a:masterClrMapping/>
   </p:clrMapOvr>
-  <mc:AlternateContent xmlns:mc="http://schemas.openxmlformats.org/markup-compatibility/2006">
-    <mc:Choice xmlns:p14="http://schemas.microsoft.com/office/powerpoint/2010/main" Requires="p14">
+  <mc:AlternateContent xmlns:mc="http://schemas.openxmlformats.org/markup-compatibility/2006" xmlns:p14="http://schemas.microsoft.com/office/powerpoint/2010/main">
+    <mc:Choice Requires="p14">
       <p:transition spd="slow" p14:dur="1600">
         <p:blinds dir="vert"/>
       </p:transition>
     </mc:Choice>
-    <mc:Fallback>
+    <mc:Fallback xmlns="">
       <p:transition spd="slow">
         <p:blinds dir="vert"/>
       </p:transition>
@@ -3551,13 +3341,13 @@
   <p:clrMapOvr>
     <a:masterClrMapping/>
   </p:clrMapOvr>
-  <mc:AlternateContent xmlns:mc="http://schemas.openxmlformats.org/markup-compatibility/2006">
-    <mc:Choice xmlns:p14="http://schemas.microsoft.com/office/powerpoint/2010/main" Requires="p14">
+  <mc:AlternateContent xmlns:mc="http://schemas.openxmlformats.org/markup-compatibility/2006" xmlns:p14="http://schemas.microsoft.com/office/powerpoint/2010/main">
+    <mc:Choice Requires="p14">
       <p:transition spd="slow" p14:dur="1600">
         <p:blinds dir="vert"/>
       </p:transition>
     </mc:Choice>
-    <mc:Fallback>
+    <mc:Fallback xmlns="">
       <p:transition spd="slow">
         <p:blinds dir="vert"/>
       </p:transition>
@@ -3795,13 +3585,13 @@
   <p:clrMapOvr>
     <a:masterClrMapping/>
   </p:clrMapOvr>
-  <mc:AlternateContent xmlns:mc="http://schemas.openxmlformats.org/markup-compatibility/2006">
-    <mc:Choice xmlns:p14="http://schemas.microsoft.com/office/powerpoint/2010/main" Requires="p14">
+  <mc:AlternateContent xmlns:mc="http://schemas.openxmlformats.org/markup-compatibility/2006" xmlns:p14="http://schemas.microsoft.com/office/powerpoint/2010/main">
+    <mc:Choice Requires="p14">
       <p:transition spd="slow" p14:dur="1600">
         <p:blinds dir="vert"/>
       </p:transition>
     </mc:Choice>
-    <mc:Fallback>
+    <mc:Fallback xmlns="">
       <p:transition spd="slow">
         <p:blinds dir="vert"/>
       </p:transition>
@@ -4174,13 +3964,13 @@
   <p:clrMapOvr>
     <a:masterClrMapping/>
   </p:clrMapOvr>
-  <mc:AlternateContent xmlns:mc="http://schemas.openxmlformats.org/markup-compatibility/2006">
-    <mc:Choice xmlns:p14="http://schemas.microsoft.com/office/powerpoint/2010/main" Requires="p14">
+  <mc:AlternateContent xmlns:mc="http://schemas.openxmlformats.org/markup-compatibility/2006" xmlns:p14="http://schemas.microsoft.com/office/powerpoint/2010/main">
+    <mc:Choice Requires="p14">
       <p:transition spd="slow" p14:dur="1600">
         <p:blinds dir="vert"/>
       </p:transition>
     </mc:Choice>
-    <mc:Fallback>
+    <mc:Fallback xmlns="">
       <p:transition spd="slow">
         <p:blinds dir="vert"/>
       </p:transition>
@@ -4304,13 +4094,13 @@
   <p:clrMapOvr>
     <a:masterClrMapping/>
   </p:clrMapOvr>
-  <mc:AlternateContent xmlns:mc="http://schemas.openxmlformats.org/markup-compatibility/2006">
-    <mc:Choice xmlns:p14="http://schemas.microsoft.com/office/powerpoint/2010/main" Requires="p14">
+  <mc:AlternateContent xmlns:mc="http://schemas.openxmlformats.org/markup-compatibility/2006" xmlns:p14="http://schemas.microsoft.com/office/powerpoint/2010/main">
+    <mc:Choice Requires="p14">
       <p:transition spd="slow" p14:dur="1600">
         <p:blinds dir="vert"/>
       </p:transition>
     </mc:Choice>
-    <mc:Fallback>
+    <mc:Fallback xmlns="">
       <p:transition spd="slow">
         <p:blinds dir="vert"/>
       </p:transition>
@@ -4411,13 +4201,13 @@
   <p:clrMapOvr>
     <a:masterClrMapping/>
   </p:clrMapOvr>
-  <mc:AlternateContent xmlns:mc="http://schemas.openxmlformats.org/markup-compatibility/2006">
-    <mc:Choice xmlns:p14="http://schemas.microsoft.com/office/powerpoint/2010/main" Requires="p14">
+  <mc:AlternateContent xmlns:mc="http://schemas.openxmlformats.org/markup-compatibility/2006" xmlns:p14="http://schemas.microsoft.com/office/powerpoint/2010/main">
+    <mc:Choice Requires="p14">
       <p:transition spd="slow" p14:dur="1600">
         <p:blinds dir="vert"/>
       </p:transition>
     </mc:Choice>
-    <mc:Fallback>
+    <mc:Fallback xmlns="">
       <p:transition spd="slow">
         <p:blinds dir="vert"/>
       </p:transition>
@@ -4700,13 +4490,13 @@
   <p:clrMapOvr>
     <a:masterClrMapping/>
   </p:clrMapOvr>
-  <mc:AlternateContent xmlns:mc="http://schemas.openxmlformats.org/markup-compatibility/2006">
-    <mc:Choice xmlns:p14="http://schemas.microsoft.com/office/powerpoint/2010/main" Requires="p14">
+  <mc:AlternateContent xmlns:mc="http://schemas.openxmlformats.org/markup-compatibility/2006" xmlns:p14="http://schemas.microsoft.com/office/powerpoint/2010/main">
+    <mc:Choice Requires="p14">
       <p:transition spd="slow" p14:dur="1600">
         <p:blinds dir="vert"/>
       </p:transition>
     </mc:Choice>
-    <mc:Fallback>
+    <mc:Fallback xmlns="">
       <p:transition spd="slow">
         <p:blinds dir="vert"/>
       </p:transition>
@@ -4969,13 +4759,13 @@
   <p:clrMapOvr>
     <a:masterClrMapping/>
   </p:clrMapOvr>
-  <mc:AlternateContent xmlns:mc="http://schemas.openxmlformats.org/markup-compatibility/2006">
-    <mc:Choice xmlns:p14="http://schemas.microsoft.com/office/powerpoint/2010/main" Requires="p14">
+  <mc:AlternateContent xmlns:mc="http://schemas.openxmlformats.org/markup-compatibility/2006" xmlns:p14="http://schemas.microsoft.com/office/powerpoint/2010/main">
+    <mc:Choice Requires="p14">
       <p:transition spd="slow" p14:dur="1600">
         <p:blinds dir="vert"/>
       </p:transition>
     </mc:Choice>
-    <mc:Fallback>
+    <mc:Fallback xmlns="">
       <p:transition spd="slow">
         <p:blinds dir="vert"/>
       </p:transition>
@@ -5241,13 +5031,13 @@
     <p:sldLayoutId id="2147483694" r:id="rId10"/>
     <p:sldLayoutId id="2147483695" r:id="rId11"/>
   </p:sldLayoutIdLst>
-  <mc:AlternateContent xmlns:mc="http://schemas.openxmlformats.org/markup-compatibility/2006">
-    <mc:Choice xmlns:p14="http://schemas.microsoft.com/office/powerpoint/2010/main" Requires="p14">
+  <mc:AlternateContent xmlns:mc="http://schemas.openxmlformats.org/markup-compatibility/2006" xmlns:p14="http://schemas.microsoft.com/office/powerpoint/2010/main">
+    <mc:Choice Requires="p14">
       <p:transition spd="slow" p14:dur="1600">
         <p:blinds dir="vert"/>
       </p:transition>
     </mc:Choice>
-    <mc:Fallback>
+    <mc:Fallback xmlns="">
       <p:transition spd="slow">
         <p:blinds dir="vert"/>
       </p:transition>
@@ -5658,363 +5448,29 @@
   <p:clrMapOvr>
     <a:masterClrMapping/>
   </p:clrMapOvr>
-  <mc:AlternateContent xmlns:mc="http://schemas.openxmlformats.org/markup-compatibility/2006">
-    <mc:Choice xmlns:p14="http://schemas.microsoft.com/office/powerpoint/2010/main" Requires="p14">
+  <mc:AlternateContent xmlns:mc="http://schemas.openxmlformats.org/markup-compatibility/2006" xmlns:p14="http://schemas.microsoft.com/office/powerpoint/2010/main">
+    <mc:Choice Requires="p14">
       <p:transition spd="slow" p14:dur="1600">
         <p:blinds dir="vert"/>
       </p:transition>
     </mc:Choice>
-    <mc:Fallback>
+    <mc:Fallback xmlns="">
       <p:transition spd="slow">
         <p:blinds dir="vert"/>
       </p:transition>
     </mc:Fallback>
   </mc:AlternateContent>
+  <p:timing>
+    <p:tnLst>
+      <p:par>
+        <p:cTn id="1" dur="indefinite" restart="never" nodeType="tmRoot"/>
+      </p:par>
+    </p:tnLst>
+  </p:timing>
 </p:sld>
 </file>
 
 <file path=ppt/slides/slide10.xml><?xml version="1.0" encoding="utf-8"?>
-<p:sld xmlns:a="http://schemas.openxmlformats.org/drawingml/2006/main" xmlns:r="http://schemas.openxmlformats.org/officeDocument/2006/relationships" xmlns:p="http://schemas.openxmlformats.org/presentationml/2006/main">
-  <p:cSld>
-    <p:spTree>
-      <p:nvGrpSpPr>
-        <p:cNvPr id="1" name=""/>
-        <p:cNvGrpSpPr/>
-        <p:nvPr/>
-      </p:nvGrpSpPr>
-      <p:grpSpPr>
-        <a:xfrm>
-          <a:off x="0" y="0"/>
-          <a:ext cx="0" cy="0"/>
-          <a:chOff x="0" y="0"/>
-          <a:chExt cx="0" cy="0"/>
-        </a:xfrm>
-      </p:grpSpPr>
-      <p:sp>
-        <p:nvSpPr>
-          <p:cNvPr id="4" name="Title 3"/>
-          <p:cNvSpPr>
-            <a:spLocks noGrp="1"/>
-          </p:cNvSpPr>
-          <p:nvPr>
-            <p:ph type="title"/>
-          </p:nvPr>
-        </p:nvSpPr>
-        <p:spPr/>
-        <p:txBody>
-          <a:bodyPr/>
-          <a:lstStyle/>
-          <a:p>
-            <a:r>
-              <a:rPr lang="en-US" dirty="0"/>
-              <a:t>Formats</a:t>
-            </a:r>
-          </a:p>
-        </p:txBody>
-      </p:sp>
-      <p:sp>
-        <p:nvSpPr>
-          <p:cNvPr id="5" name="Text Placeholder 4"/>
-          <p:cNvSpPr>
-            <a:spLocks noGrp="1"/>
-          </p:cNvSpPr>
-          <p:nvPr>
-            <p:ph type="body" idx="1"/>
-          </p:nvPr>
-        </p:nvSpPr>
-        <p:spPr>
-          <a:xfrm>
-            <a:off x="839786" y="2168868"/>
-            <a:ext cx="5157787" cy="823912"/>
-          </a:xfrm>
-        </p:spPr>
-        <p:txBody>
-          <a:bodyPr/>
-          <a:lstStyle/>
-          <a:p>
-            <a:r>
-              <a:rPr lang="en-US" dirty="0"/>
-              <a:t>RONEC</a:t>
-            </a:r>
-          </a:p>
-        </p:txBody>
-      </p:sp>
-      <p:pic>
-        <p:nvPicPr>
-          <p:cNvPr id="9" name="Content Placeholder 8"/>
-          <p:cNvPicPr>
-            <a:picLocks noGrp="1" noChangeAspect="1"/>
-          </p:cNvPicPr>
-          <p:nvPr>
-            <p:ph sz="half" idx="2"/>
-          </p:nvPr>
-        </p:nvPicPr>
-        <p:blipFill>
-          <a:blip r:embed="rId3">
-            <a:extLst>
-              <a:ext uri="{28A0092B-C50C-407E-A947-70E740481C1C}">
-                <a14:useLocalDpi xmlns:a14="http://schemas.microsoft.com/office/drawing/2010/main" val="0"/>
-              </a:ext>
-            </a:extLst>
-          </a:blip>
-          <a:stretch>
-            <a:fillRect/>
-          </a:stretch>
-        </p:blipFill>
-        <p:spPr>
-          <a:xfrm>
-            <a:off x="839787" y="3470961"/>
-            <a:ext cx="5157787" cy="1273344"/>
-          </a:xfrm>
-        </p:spPr>
-      </p:pic>
-      <p:sp>
-        <p:nvSpPr>
-          <p:cNvPr id="7" name="Text Placeholder 6"/>
-          <p:cNvSpPr>
-            <a:spLocks noGrp="1"/>
-          </p:cNvSpPr>
-          <p:nvPr>
-            <p:ph type="body" sz="quarter" idx="3"/>
-          </p:nvPr>
-        </p:nvSpPr>
-        <p:spPr>
-          <a:xfrm>
-            <a:off x="6172200" y="2168868"/>
-            <a:ext cx="5183188" cy="823912"/>
-          </a:xfrm>
-        </p:spPr>
-        <p:txBody>
-          <a:bodyPr/>
-          <a:lstStyle/>
-          <a:p>
-            <a:r>
-              <a:rPr lang="en-US" dirty="0" err="1"/>
-              <a:t>QuoVadis</a:t>
-            </a:r>
-            <a:endParaRPr lang="en-US" dirty="0"/>
-          </a:p>
-        </p:txBody>
-      </p:sp>
-      <p:pic>
-        <p:nvPicPr>
-          <p:cNvPr id="10" name="Content Placeholder 9"/>
-          <p:cNvPicPr>
-            <a:picLocks noGrp="1" noChangeAspect="1"/>
-          </p:cNvPicPr>
-          <p:nvPr>
-            <p:ph sz="quarter" idx="4"/>
-          </p:nvPr>
-        </p:nvPicPr>
-        <p:blipFill>
-          <a:blip r:embed="rId4">
-            <a:extLst>
-              <a:ext uri="{28A0092B-C50C-407E-A947-70E740481C1C}">
-                <a14:useLocalDpi xmlns:a14="http://schemas.microsoft.com/office/drawing/2010/main" val="0"/>
-              </a:ext>
-            </a:extLst>
-          </a:blip>
-          <a:stretch>
-            <a:fillRect/>
-          </a:stretch>
-        </p:blipFill>
-        <p:spPr>
-          <a:xfrm>
-            <a:off x="6172200" y="3806487"/>
-            <a:ext cx="5183188" cy="602292"/>
-          </a:xfrm>
-        </p:spPr>
-      </p:pic>
-    </p:spTree>
-    <p:extLst>
-      <p:ext uri="{BB962C8B-B14F-4D97-AF65-F5344CB8AC3E}">
-        <p14:creationId xmlns:p14="http://schemas.microsoft.com/office/powerpoint/2010/main" val="2209426511"/>
-      </p:ext>
-    </p:extLst>
-  </p:cSld>
-  <p:clrMapOvr>
-    <a:masterClrMapping/>
-  </p:clrMapOvr>
-  <mc:AlternateContent xmlns:mc="http://schemas.openxmlformats.org/markup-compatibility/2006">
-    <mc:Choice xmlns:p14="http://schemas.microsoft.com/office/powerpoint/2010/main" Requires="p14">
-      <p:transition spd="slow" p14:dur="1600">
-        <p:blinds dir="vert"/>
-      </p:transition>
-    </mc:Choice>
-    <mc:Fallback>
-      <p:transition spd="slow">
-        <p:blinds dir="vert"/>
-      </p:transition>
-    </mc:Fallback>
-  </mc:AlternateContent>
-</p:sld>
-</file>
-
-<file path=ppt/slides/slide11.xml><?xml version="1.0" encoding="utf-8"?>
-<p:sld xmlns:a="http://schemas.openxmlformats.org/drawingml/2006/main" xmlns:r="http://schemas.openxmlformats.org/officeDocument/2006/relationships" xmlns:p="http://schemas.openxmlformats.org/presentationml/2006/main">
-  <p:cSld>
-    <p:spTree>
-      <p:nvGrpSpPr>
-        <p:cNvPr id="1" name=""/>
-        <p:cNvGrpSpPr/>
-        <p:nvPr/>
-      </p:nvGrpSpPr>
-      <p:grpSpPr>
-        <a:xfrm>
-          <a:off x="0" y="0"/>
-          <a:ext cx="0" cy="0"/>
-          <a:chOff x="0" y="0"/>
-          <a:chExt cx="0" cy="0"/>
-        </a:xfrm>
-      </p:grpSpPr>
-      <p:sp>
-        <p:nvSpPr>
-          <p:cNvPr id="2" name="Title 1"/>
-          <p:cNvSpPr>
-            <a:spLocks noGrp="1"/>
-          </p:cNvSpPr>
-          <p:nvPr>
-            <p:ph type="title"/>
-          </p:nvPr>
-        </p:nvSpPr>
-        <p:spPr/>
-        <p:txBody>
-          <a:bodyPr/>
-          <a:lstStyle/>
-          <a:p>
-            <a:r>
-              <a:rPr lang="en-US" dirty="0"/>
-              <a:t>The Format of the Training Data</a:t>
-            </a:r>
-          </a:p>
-        </p:txBody>
-      </p:sp>
-      <p:pic>
-        <p:nvPicPr>
-          <p:cNvPr id="7" name="Content Placeholder 6"/>
-          <p:cNvPicPr>
-            <a:picLocks noGrp="1" noChangeAspect="1"/>
-          </p:cNvPicPr>
-          <p:nvPr>
-            <p:ph idx="1"/>
-          </p:nvPr>
-        </p:nvPicPr>
-        <p:blipFill>
-          <a:blip r:embed="rId3">
-            <a:extLst>
-              <a:ext uri="{28A0092B-C50C-407E-A947-70E740481C1C}">
-                <a14:useLocalDpi xmlns:a14="http://schemas.microsoft.com/office/drawing/2010/main" val="0"/>
-              </a:ext>
-            </a:extLst>
-          </a:blip>
-          <a:stretch>
-            <a:fillRect/>
-          </a:stretch>
-        </p:blipFill>
-        <p:spPr>
-          <a:xfrm>
-            <a:off x="838200" y="1690688"/>
-            <a:ext cx="2389809" cy="4351338"/>
-          </a:xfrm>
-        </p:spPr>
-      </p:pic>
-      <p:sp>
-        <p:nvSpPr>
-          <p:cNvPr id="8" name="TextBox 7"/>
-          <p:cNvSpPr txBox="1"/>
-          <p:nvPr/>
-        </p:nvSpPr>
-        <p:spPr>
-          <a:xfrm>
-            <a:off x="3228009" y="2742972"/>
-            <a:ext cx="7323993" cy="2246769"/>
-          </a:xfrm>
-          <a:prstGeom prst="rect">
-            <a:avLst/>
-          </a:prstGeom>
-          <a:noFill/>
-        </p:spPr>
-        <p:txBody>
-          <a:bodyPr wrap="square" rtlCol="0">
-            <a:spAutoFit/>
-          </a:bodyPr>
-          <a:lstStyle/>
-          <a:p>
-            <a:pPr marL="285750" indent="-285750">
-              <a:buFont typeface="Arial" panose="020B0604020202020204" pitchFamily="34" charset="0"/>
-              <a:buChar char="•"/>
-            </a:pPr>
-            <a:r>
-              <a:rPr lang="en-US" sz="2800" dirty="0"/>
-              <a:t>The format is the </a:t>
-            </a:r>
-            <a:r>
-              <a:rPr lang="en-US" sz="2800" dirty="0" err="1"/>
-              <a:t>ConLL</a:t>
-            </a:r>
-            <a:r>
-              <a:rPr lang="en-US" sz="2800" dirty="0"/>
-              <a:t>-U Plus format.</a:t>
-            </a:r>
-          </a:p>
-          <a:p>
-            <a:pPr marL="285750" indent="-285750">
-              <a:buFont typeface="Arial" panose="020B0604020202020204" pitchFamily="34" charset="0"/>
-              <a:buChar char="•"/>
-            </a:pPr>
-            <a:r>
-              <a:rPr lang="en-US" sz="2800" dirty="0"/>
-              <a:t>The values are stored in two columns separated by &lt;tab&gt;.</a:t>
-            </a:r>
-          </a:p>
-          <a:p>
-            <a:pPr marL="285750" indent="-285750">
-              <a:buFont typeface="Arial" panose="020B0604020202020204" pitchFamily="34" charset="0"/>
-              <a:buChar char="•"/>
-            </a:pPr>
-            <a:r>
-              <a:rPr lang="en-US" sz="2800" dirty="0"/>
-              <a:t>Every word and punctuation sign is a new line.</a:t>
-            </a:r>
-          </a:p>
-          <a:p>
-            <a:pPr marL="285750" indent="-285750">
-              <a:buFont typeface="Arial" panose="020B0604020202020204" pitchFamily="34" charset="0"/>
-              <a:buChar char="•"/>
-            </a:pPr>
-            <a:r>
-              <a:rPr lang="en-US" sz="2800" dirty="0"/>
-              <a:t>Facilitates the training of the model.</a:t>
-            </a:r>
-          </a:p>
-        </p:txBody>
-      </p:sp>
-    </p:spTree>
-    <p:extLst>
-      <p:ext uri="{BB962C8B-B14F-4D97-AF65-F5344CB8AC3E}">
-        <p14:creationId xmlns:p14="http://schemas.microsoft.com/office/powerpoint/2010/main" val="1784175229"/>
-      </p:ext>
-    </p:extLst>
-  </p:cSld>
-  <p:clrMapOvr>
-    <a:masterClrMapping/>
-  </p:clrMapOvr>
-  <mc:AlternateContent xmlns:mc="http://schemas.openxmlformats.org/markup-compatibility/2006">
-    <mc:Choice xmlns:p14="http://schemas.microsoft.com/office/powerpoint/2010/main" Requires="p14">
-      <p:transition spd="slow" p14:dur="1600">
-        <p:blinds dir="vert"/>
-      </p:transition>
-    </mc:Choice>
-    <mc:Fallback>
-      <p:transition spd="slow">
-        <p:blinds dir="vert"/>
-      </p:transition>
-    </mc:Fallback>
-  </mc:AlternateContent>
-</p:sld>
-</file>
-
-<file path=ppt/slides/slide12.xml><?xml version="1.0" encoding="utf-8"?>
 <p:sld xmlns:a="http://schemas.openxmlformats.org/drawingml/2006/main" xmlns:r="http://schemas.openxmlformats.org/officeDocument/2006/relationships" xmlns:p="http://schemas.openxmlformats.org/presentationml/2006/main">
   <p:cSld>
     <p:spTree>
@@ -6174,22 +5630,29 @@
   <p:clrMapOvr>
     <a:masterClrMapping/>
   </p:clrMapOvr>
-  <mc:AlternateContent xmlns:mc="http://schemas.openxmlformats.org/markup-compatibility/2006">
-    <mc:Choice xmlns:p14="http://schemas.microsoft.com/office/powerpoint/2010/main" Requires="p14">
+  <mc:AlternateContent xmlns:mc="http://schemas.openxmlformats.org/markup-compatibility/2006" xmlns:p14="http://schemas.microsoft.com/office/powerpoint/2010/main">
+    <mc:Choice Requires="p14">
       <p:transition spd="slow" p14:dur="1600">
         <p:blinds dir="vert"/>
       </p:transition>
     </mc:Choice>
-    <mc:Fallback>
+    <mc:Fallback xmlns="">
       <p:transition spd="slow">
         <p:blinds dir="vert"/>
       </p:transition>
     </mc:Fallback>
   </mc:AlternateContent>
+  <p:timing>
+    <p:tnLst>
+      <p:par>
+        <p:cTn id="1" dur="indefinite" restart="never" nodeType="tmRoot"/>
+      </p:par>
+    </p:tnLst>
+  </p:timing>
 </p:sld>
 </file>
 
-<file path=ppt/slides/slide13.xml><?xml version="1.0" encoding="utf-8"?>
+<file path=ppt/slides/slide11.xml><?xml version="1.0" encoding="utf-8"?>
 <p:sld xmlns:a="http://schemas.openxmlformats.org/drawingml/2006/main" xmlns:r="http://schemas.openxmlformats.org/officeDocument/2006/relationships" xmlns:p="http://schemas.openxmlformats.org/presentationml/2006/main">
   <p:cSld>
     <p:spTree>
@@ -6646,22 +6109,29 @@
   <p:clrMapOvr>
     <a:masterClrMapping/>
   </p:clrMapOvr>
-  <mc:AlternateContent xmlns:mc="http://schemas.openxmlformats.org/markup-compatibility/2006">
-    <mc:Choice xmlns:p14="http://schemas.microsoft.com/office/powerpoint/2010/main" Requires="p14">
+  <mc:AlternateContent xmlns:mc="http://schemas.openxmlformats.org/markup-compatibility/2006" xmlns:p14="http://schemas.microsoft.com/office/powerpoint/2010/main">
+    <mc:Choice Requires="p14">
       <p:transition spd="slow" p14:dur="1600">
         <p:blinds dir="vert"/>
       </p:transition>
     </mc:Choice>
-    <mc:Fallback>
+    <mc:Fallback xmlns="">
       <p:transition spd="slow">
         <p:blinds dir="vert"/>
       </p:transition>
     </mc:Fallback>
   </mc:AlternateContent>
+  <p:timing>
+    <p:tnLst>
+      <p:par>
+        <p:cTn id="1" dur="indefinite" restart="never" nodeType="tmRoot"/>
+      </p:par>
+    </p:tnLst>
+  </p:timing>
 </p:sld>
 </file>
 
-<file path=ppt/slides/slide14.xml><?xml version="1.0" encoding="utf-8"?>
+<file path=ppt/slides/slide12.xml><?xml version="1.0" encoding="utf-8"?>
 <p:sld xmlns:a="http://schemas.openxmlformats.org/drawingml/2006/main" xmlns:r="http://schemas.openxmlformats.org/officeDocument/2006/relationships" xmlns:p="http://schemas.openxmlformats.org/presentationml/2006/main">
   <p:cSld>
     <p:spTree>
@@ -6752,22 +6222,29 @@
   <p:clrMapOvr>
     <a:masterClrMapping/>
   </p:clrMapOvr>
-  <mc:AlternateContent xmlns:mc="http://schemas.openxmlformats.org/markup-compatibility/2006">
-    <mc:Choice xmlns:p14="http://schemas.microsoft.com/office/powerpoint/2010/main" Requires="p14">
+  <mc:AlternateContent xmlns:mc="http://schemas.openxmlformats.org/markup-compatibility/2006" xmlns:p14="http://schemas.microsoft.com/office/powerpoint/2010/main">
+    <mc:Choice Requires="p14">
       <p:transition spd="slow" p14:dur="1600">
         <p:blinds dir="vert"/>
       </p:transition>
     </mc:Choice>
-    <mc:Fallback>
+    <mc:Fallback xmlns="">
       <p:transition spd="slow">
         <p:blinds dir="vert"/>
       </p:transition>
     </mc:Fallback>
   </mc:AlternateContent>
+  <p:timing>
+    <p:tnLst>
+      <p:par>
+        <p:cTn id="1" dur="indefinite" restart="never" nodeType="tmRoot"/>
+      </p:par>
+    </p:tnLst>
+  </p:timing>
 </p:sld>
 </file>
 
-<file path=ppt/slides/slide15.xml><?xml version="1.0" encoding="utf-8"?>
+<file path=ppt/slides/slide13.xml><?xml version="1.0" encoding="utf-8"?>
 <p:sld xmlns:a="http://schemas.openxmlformats.org/drawingml/2006/main" xmlns:r="http://schemas.openxmlformats.org/officeDocument/2006/relationships" xmlns:p="http://schemas.openxmlformats.org/presentationml/2006/main">
   <p:cSld>
     <p:spTree>
@@ -6842,7 +6319,7 @@
         </p:blipFill>
         <p:spPr>
           <a:xfrm>
-            <a:off x="838200" y="1253331"/>
+            <a:off x="2316810" y="1690688"/>
             <a:ext cx="7558379" cy="4351338"/>
           </a:xfrm>
         </p:spPr>
@@ -6857,22 +6334,29 @@
   <p:clrMapOvr>
     <a:masterClrMapping/>
   </p:clrMapOvr>
-  <mc:AlternateContent xmlns:mc="http://schemas.openxmlformats.org/markup-compatibility/2006">
-    <mc:Choice xmlns:p14="http://schemas.microsoft.com/office/powerpoint/2010/main" Requires="p14">
+  <mc:AlternateContent xmlns:mc="http://schemas.openxmlformats.org/markup-compatibility/2006" xmlns:p14="http://schemas.microsoft.com/office/powerpoint/2010/main">
+    <mc:Choice Requires="p14">
       <p:transition spd="slow" p14:dur="1600">
         <p:blinds dir="vert"/>
       </p:transition>
     </mc:Choice>
-    <mc:Fallback>
+    <mc:Fallback xmlns="">
       <p:transition spd="slow">
         <p:blinds dir="vert"/>
       </p:transition>
     </mc:Fallback>
   </mc:AlternateContent>
+  <p:timing>
+    <p:tnLst>
+      <p:par>
+        <p:cTn id="1" dur="indefinite" restart="never" nodeType="tmRoot"/>
+      </p:par>
+    </p:tnLst>
+  </p:timing>
 </p:sld>
 </file>
 
-<file path=ppt/slides/slide16.xml><?xml version="1.0" encoding="utf-8"?>
+<file path=ppt/slides/slide14.xml><?xml version="1.0" encoding="utf-8"?>
 <p:sld xmlns:a="http://schemas.openxmlformats.org/drawingml/2006/main" xmlns:r="http://schemas.openxmlformats.org/officeDocument/2006/relationships" xmlns:p="http://schemas.openxmlformats.org/presentationml/2006/main">
   <p:cSld>
     <p:spTree>
@@ -7156,22 +6640,29 @@
   <p:clrMapOvr>
     <a:masterClrMapping/>
   </p:clrMapOvr>
-  <mc:AlternateContent xmlns:mc="http://schemas.openxmlformats.org/markup-compatibility/2006">
-    <mc:Choice xmlns:p14="http://schemas.microsoft.com/office/powerpoint/2010/main" Requires="p14">
+  <mc:AlternateContent xmlns:mc="http://schemas.openxmlformats.org/markup-compatibility/2006" xmlns:p14="http://schemas.microsoft.com/office/powerpoint/2010/main">
+    <mc:Choice Requires="p14">
       <p:transition spd="slow" p14:dur="1600">
         <p:blinds dir="vert"/>
       </p:transition>
     </mc:Choice>
-    <mc:Fallback>
+    <mc:Fallback xmlns="">
       <p:transition spd="slow">
         <p:blinds dir="vert"/>
       </p:transition>
     </mc:Fallback>
   </mc:AlternateContent>
+  <p:timing>
+    <p:tnLst>
+      <p:par>
+        <p:cTn id="1" dur="indefinite" restart="never" nodeType="tmRoot"/>
+      </p:par>
+    </p:tnLst>
+  </p:timing>
 </p:sld>
 </file>
 
-<file path=ppt/slides/slide17.xml><?xml version="1.0" encoding="utf-8"?>
+<file path=ppt/slides/slide15.xml><?xml version="1.0" encoding="utf-8"?>
 <p:sld xmlns:a="http://schemas.openxmlformats.org/drawingml/2006/main" xmlns:r="http://schemas.openxmlformats.org/officeDocument/2006/relationships" xmlns:p="http://schemas.openxmlformats.org/presentationml/2006/main">
   <p:cSld>
     <p:spTree>
@@ -7274,22 +6765,29 @@
   <p:clrMapOvr>
     <a:masterClrMapping/>
   </p:clrMapOvr>
-  <mc:AlternateContent xmlns:mc="http://schemas.openxmlformats.org/markup-compatibility/2006">
-    <mc:Choice xmlns:p14="http://schemas.microsoft.com/office/powerpoint/2010/main" Requires="p14">
+  <mc:AlternateContent xmlns:mc="http://schemas.openxmlformats.org/markup-compatibility/2006" xmlns:p14="http://schemas.microsoft.com/office/powerpoint/2010/main">
+    <mc:Choice Requires="p14">
       <p:transition spd="slow" p14:dur="1600">
         <p:blinds dir="vert"/>
       </p:transition>
     </mc:Choice>
-    <mc:Fallback>
+    <mc:Fallback xmlns="">
       <p:transition spd="slow">
         <p:blinds dir="vert"/>
       </p:transition>
     </mc:Fallback>
   </mc:AlternateContent>
+  <p:timing>
+    <p:tnLst>
+      <p:par>
+        <p:cTn id="1" dur="indefinite" restart="never" nodeType="tmRoot"/>
+      </p:par>
+    </p:tnLst>
+  </p:timing>
 </p:sld>
 </file>
 
-<file path=ppt/slides/slide18.xml><?xml version="1.0" encoding="utf-8"?>
+<file path=ppt/slides/slide16.xml><?xml version="1.0" encoding="utf-8"?>
 <p:sld xmlns:a="http://schemas.openxmlformats.org/drawingml/2006/main" xmlns:r="http://schemas.openxmlformats.org/officeDocument/2006/relationships" xmlns:p="http://schemas.openxmlformats.org/presentationml/2006/main">
   <p:cSld>
     <p:spTree>
@@ -7375,7 +6873,15 @@
           <a:p>
             <a:r>
               <a:rPr lang="en-US" sz="3600" dirty="0"/>
-              <a:t>Improvements are required in the form of larger, more comprehensive corpora, larger, more ambiguous contexts.</a:t>
+              <a:t>Improvements are required in the form of larger, more comprehensive corpora, </a:t>
+            </a:r>
+            <a:r>
+              <a:rPr lang="en-US" sz="3600" dirty="0" smtClean="0"/>
+              <a:t>more </a:t>
+            </a:r>
+            <a:r>
+              <a:rPr lang="en-US" sz="3600" dirty="0"/>
+              <a:t>ambiguous contexts.</a:t>
             </a:r>
           </a:p>
         </p:txBody>
@@ -7390,18 +6896,25 @@
   <p:clrMapOvr>
     <a:masterClrMapping/>
   </p:clrMapOvr>
-  <mc:AlternateContent xmlns:mc="http://schemas.openxmlformats.org/markup-compatibility/2006">
-    <mc:Choice xmlns:p14="http://schemas.microsoft.com/office/powerpoint/2010/main" Requires="p14">
+  <mc:AlternateContent xmlns:mc="http://schemas.openxmlformats.org/markup-compatibility/2006" xmlns:p14="http://schemas.microsoft.com/office/powerpoint/2010/main">
+    <mc:Choice Requires="p14">
       <p:transition spd="slow" p14:dur="1600">
         <p:blinds dir="vert"/>
       </p:transition>
     </mc:Choice>
-    <mc:Fallback>
+    <mc:Fallback xmlns="">
       <p:transition spd="slow">
         <p:blinds dir="vert"/>
       </p:transition>
     </mc:Fallback>
   </mc:AlternateContent>
+  <p:timing>
+    <p:tnLst>
+      <p:par>
+        <p:cTn id="1" dur="indefinite" restart="never" nodeType="tmRoot"/>
+      </p:par>
+    </p:tnLst>
+  </p:timing>
 </p:sld>
 </file>
 
@@ -7498,18 +7011,25 @@
   <p:clrMapOvr>
     <a:masterClrMapping/>
   </p:clrMapOvr>
-  <mc:AlternateContent xmlns:mc="http://schemas.openxmlformats.org/markup-compatibility/2006">
-    <mc:Choice xmlns:p14="http://schemas.microsoft.com/office/powerpoint/2010/main" Requires="p14">
+  <mc:AlternateContent xmlns:mc="http://schemas.openxmlformats.org/markup-compatibility/2006" xmlns:p14="http://schemas.microsoft.com/office/powerpoint/2010/main">
+    <mc:Choice Requires="p14">
       <p:transition spd="slow" p14:dur="1600">
         <p:blinds dir="vert"/>
       </p:transition>
     </mc:Choice>
-    <mc:Fallback>
+    <mc:Fallback xmlns="">
       <p:transition spd="slow">
         <p:blinds dir="vert"/>
       </p:transition>
     </mc:Fallback>
   </mc:AlternateContent>
+  <p:timing>
+    <p:tnLst>
+      <p:par>
+        <p:cTn id="1" dur="indefinite" restart="never" nodeType="tmRoot"/>
+      </p:par>
+    </p:tnLst>
+  </p:timing>
 </p:sld>
 </file>
 
@@ -7627,18 +7147,25 @@
   <p:clrMapOvr>
     <a:masterClrMapping/>
   </p:clrMapOvr>
-  <mc:AlternateContent xmlns:mc="http://schemas.openxmlformats.org/markup-compatibility/2006">
-    <mc:Choice xmlns:p14="http://schemas.microsoft.com/office/powerpoint/2010/main" Requires="p14">
+  <mc:AlternateContent xmlns:mc="http://schemas.openxmlformats.org/markup-compatibility/2006" xmlns:p14="http://schemas.microsoft.com/office/powerpoint/2010/main">
+    <mc:Choice Requires="p14">
       <p:transition spd="slow" p14:dur="1600">
         <p:blinds dir="vert"/>
       </p:transition>
     </mc:Choice>
-    <mc:Fallback>
+    <mc:Fallback xmlns="">
       <p:transition spd="slow">
         <p:blinds dir="vert"/>
       </p:transition>
     </mc:Fallback>
   </mc:AlternateContent>
+  <p:timing>
+    <p:tnLst>
+      <p:par>
+        <p:cTn id="1" dur="indefinite" restart="never" nodeType="tmRoot"/>
+      </p:par>
+    </p:tnLst>
+  </p:timing>
 </p:sld>
 </file>
 
@@ -7747,18 +7274,25 @@
   <p:clrMapOvr>
     <a:masterClrMapping/>
   </p:clrMapOvr>
-  <mc:AlternateContent xmlns:mc="http://schemas.openxmlformats.org/markup-compatibility/2006">
-    <mc:Choice xmlns:p14="http://schemas.microsoft.com/office/powerpoint/2010/main" Requires="p14">
+  <mc:AlternateContent xmlns:mc="http://schemas.openxmlformats.org/markup-compatibility/2006" xmlns:p14="http://schemas.microsoft.com/office/powerpoint/2010/main">
+    <mc:Choice Requires="p14">
       <p:transition spd="slow" p14:dur="1600">
         <p:blinds dir="vert"/>
       </p:transition>
     </mc:Choice>
-    <mc:Fallback>
+    <mc:Fallback xmlns="">
       <p:transition spd="slow">
         <p:blinds dir="vert"/>
       </p:transition>
     </mc:Fallback>
   </mc:AlternateContent>
+  <p:timing>
+    <p:tnLst>
+      <p:par>
+        <p:cTn id="1" dur="indefinite" restart="never" nodeType="tmRoot"/>
+      </p:par>
+    </p:tnLst>
+  </p:timing>
 </p:sld>
 </file>
 
@@ -7840,15 +7374,19 @@
           <a:p>
             <a:r>
               <a:rPr lang="en-US" sz="3200" dirty="0"/>
-              <a:t>The Stanford Named Entity Recognition Software is highly used in the </a:t>
-            </a:r>
-            <a:r>
-              <a:rPr lang="en-US" sz="3200" dirty="0" err="1"/>
-              <a:t>academical</a:t>
+              <a:t>The Stanford Named Entity Recognition Software is highly used </a:t>
+            </a:r>
+            <a:r>
+              <a:rPr lang="en-US" sz="3200" dirty="0" smtClean="0"/>
+              <a:t>for </a:t>
+            </a:r>
+            <a:r>
+              <a:rPr lang="en-US" sz="3200" dirty="0" smtClean="0"/>
+              <a:t>academic </a:t>
             </a:r>
             <a:r>
               <a:rPr lang="en-US" sz="3200" dirty="0"/>
-              <a:t> purposes</a:t>
+              <a:t>purposes</a:t>
             </a:r>
           </a:p>
         </p:txBody>
@@ -7863,18 +7401,25 @@
   <p:clrMapOvr>
     <a:masterClrMapping/>
   </p:clrMapOvr>
-  <mc:AlternateContent xmlns:mc="http://schemas.openxmlformats.org/markup-compatibility/2006">
-    <mc:Choice xmlns:p14="http://schemas.microsoft.com/office/powerpoint/2010/main" Requires="p14">
+  <mc:AlternateContent xmlns:mc="http://schemas.openxmlformats.org/markup-compatibility/2006" xmlns:p14="http://schemas.microsoft.com/office/powerpoint/2010/main">
+    <mc:Choice Requires="p14">
       <p:transition spd="slow" p14:dur="1600">
         <p:blinds dir="vert"/>
       </p:transition>
     </mc:Choice>
-    <mc:Fallback>
+    <mc:Fallback xmlns="">
       <p:transition spd="slow">
         <p:blinds dir="vert"/>
       </p:transition>
     </mc:Fallback>
   </mc:AlternateContent>
+  <p:timing>
+    <p:tnLst>
+      <p:par>
+        <p:cTn id="1" dur="indefinite" restart="never" nodeType="tmRoot"/>
+      </p:par>
+    </p:tnLst>
+  </p:timing>
 </p:sld>
 </file>
 
@@ -7968,18 +7513,25 @@
   <p:clrMapOvr>
     <a:masterClrMapping/>
   </p:clrMapOvr>
-  <mc:AlternateContent xmlns:mc="http://schemas.openxmlformats.org/markup-compatibility/2006">
-    <mc:Choice xmlns:p14="http://schemas.microsoft.com/office/powerpoint/2010/main" Requires="p14">
+  <mc:AlternateContent xmlns:mc="http://schemas.openxmlformats.org/markup-compatibility/2006" xmlns:p14="http://schemas.microsoft.com/office/powerpoint/2010/main">
+    <mc:Choice Requires="p14">
       <p:transition spd="slow" p14:dur="1600">
         <p:blinds dir="vert"/>
       </p:transition>
     </mc:Choice>
-    <mc:Fallback>
+    <mc:Fallback xmlns="">
       <p:transition spd="slow">
         <p:blinds dir="vert"/>
       </p:transition>
     </mc:Fallback>
   </mc:AlternateContent>
+  <p:timing>
+    <p:tnLst>
+      <p:par>
+        <p:cTn id="1" dur="indefinite" restart="never" nodeType="tmRoot"/>
+      </p:par>
+    </p:tnLst>
+  </p:timing>
 </p:sld>
 </file>
 
@@ -8074,18 +7626,25 @@
   <p:clrMapOvr>
     <a:masterClrMapping/>
   </p:clrMapOvr>
-  <mc:AlternateContent xmlns:mc="http://schemas.openxmlformats.org/markup-compatibility/2006">
-    <mc:Choice xmlns:p14="http://schemas.microsoft.com/office/powerpoint/2010/main" Requires="p14">
+  <mc:AlternateContent xmlns:mc="http://schemas.openxmlformats.org/markup-compatibility/2006" xmlns:p14="http://schemas.microsoft.com/office/powerpoint/2010/main">
+    <mc:Choice Requires="p14">
       <p:transition spd="slow" p14:dur="1600">
         <p:blinds dir="vert"/>
       </p:transition>
     </mc:Choice>
-    <mc:Fallback>
+    <mc:Fallback xmlns="">
       <p:transition spd="slow">
         <p:blinds dir="vert"/>
       </p:transition>
     </mc:Fallback>
   </mc:AlternateContent>
+  <p:timing>
+    <p:tnLst>
+      <p:par>
+        <p:cTn id="1" dur="indefinite" restart="never" nodeType="tmRoot"/>
+      </p:par>
+    </p:tnLst>
+  </p:timing>
 </p:sld>
 </file>
 
@@ -8145,7 +7704,15 @@
           <a:p>
             <a:r>
               <a:rPr lang="en-US" dirty="0"/>
-              <a:t>The aforementioned methods provides an accuracy score of over 90% for the languages they are trained on.</a:t>
+              <a:t>The aforementioned methods </a:t>
+            </a:r>
+            <a:r>
+              <a:rPr lang="en-US" dirty="0" smtClean="0"/>
+              <a:t>provide </a:t>
+            </a:r>
+            <a:r>
+              <a:rPr lang="en-US" dirty="0"/>
+              <a:t>an accuracy score of over 90% for the languages they are trained on.</a:t>
             </a:r>
           </a:p>
           <a:p>
@@ -8196,18 +7763,25 @@
   <p:clrMapOvr>
     <a:masterClrMapping/>
   </p:clrMapOvr>
-  <mc:AlternateContent xmlns:mc="http://schemas.openxmlformats.org/markup-compatibility/2006">
-    <mc:Choice xmlns:p14="http://schemas.microsoft.com/office/powerpoint/2010/main" Requires="p14">
+  <mc:AlternateContent xmlns:mc="http://schemas.openxmlformats.org/markup-compatibility/2006" xmlns:p14="http://schemas.microsoft.com/office/powerpoint/2010/main">
+    <mc:Choice Requires="p14">
       <p:transition spd="slow" p14:dur="1600">
         <p:blinds dir="vert"/>
       </p:transition>
     </mc:Choice>
-    <mc:Fallback>
+    <mc:Fallback xmlns="">
       <p:transition spd="slow">
         <p:blinds dir="vert"/>
       </p:transition>
     </mc:Fallback>
   </mc:AlternateContent>
+  <p:timing>
+    <p:tnLst>
+      <p:par>
+        <p:cTn id="1" dur="indefinite" restart="never" nodeType="tmRoot"/>
+      </p:par>
+    </p:tnLst>
+  </p:timing>
 </p:sld>
 </file>
 
@@ -8317,18 +7891,25 @@
   <p:clrMapOvr>
     <a:masterClrMapping/>
   </p:clrMapOvr>
-  <mc:AlternateContent xmlns:mc="http://schemas.openxmlformats.org/markup-compatibility/2006">
-    <mc:Choice xmlns:p14="http://schemas.microsoft.com/office/powerpoint/2010/main" Requires="p14">
+  <mc:AlternateContent xmlns:mc="http://schemas.openxmlformats.org/markup-compatibility/2006" xmlns:p14="http://schemas.microsoft.com/office/powerpoint/2010/main">
+    <mc:Choice Requires="p14">
       <p:transition spd="slow" p14:dur="1600">
         <p:blinds dir="vert"/>
       </p:transition>
     </mc:Choice>
-    <mc:Fallback>
+    <mc:Fallback xmlns="">
       <p:transition spd="slow">
         <p:blinds dir="vert"/>
       </p:transition>
     </mc:Fallback>
   </mc:AlternateContent>
+  <p:timing>
+    <p:tnLst>
+      <p:par>
+        <p:cTn id="1" dur="indefinite" restart="never" nodeType="tmRoot"/>
+      </p:par>
+    </p:tnLst>
+  </p:timing>
 </p:sld>
 </file>
 
